--- a/Apresentação BI SafeRoad 2.0.pptx
+++ b/Apresentação BI SafeRoad 2.0.pptx
@@ -147,7 +147,7 @@
   <pc:docChgLst>
     <pc:chgData name="Lucca Rosário" userId="6a125ecf6fd1e305" providerId="LiveId" clId="{21C86C65-016E-4838-9342-834790FF027C}"/>
     <pc:docChg chg="undo custSel addSld delSld modSld sldOrd">
-      <pc:chgData name="Lucca Rosário" userId="6a125ecf6fd1e305" providerId="LiveId" clId="{21C86C65-016E-4838-9342-834790FF027C}" dt="2026-01-27T19:04:50.466" v="3161" actId="20577"/>
+      <pc:chgData name="Lucca Rosário" userId="6a125ecf6fd1e305" providerId="LiveId" clId="{21C86C65-016E-4838-9342-834790FF027C}" dt="2026-01-31T19:44:14.041" v="3430" actId="20577"/>
       <pc:docMkLst>
         <pc:docMk/>
       </pc:docMkLst>
@@ -220,46 +220,6 @@
             <ac:spMk id="3" creationId="{00000000-0000-0000-0000-000000000000}"/>
           </ac:spMkLst>
         </pc:spChg>
-        <pc:spChg chg="add del">
-          <ac:chgData name="Lucca Rosário" userId="6a125ecf6fd1e305" providerId="LiveId" clId="{21C86C65-016E-4838-9342-834790FF027C}" dt="2026-01-27T17:43:56.978" v="3056" actId="26606"/>
-          <ac:spMkLst>
-            <pc:docMk/>
-            <pc:sldMk cId="0" sldId="257"/>
-            <ac:spMk id="9" creationId="{F747F1B4-B831-4277-8AB0-32767F7EB7BF}"/>
-          </ac:spMkLst>
-        </pc:spChg>
-        <pc:spChg chg="add del">
-          <ac:chgData name="Lucca Rosário" userId="6a125ecf6fd1e305" providerId="LiveId" clId="{21C86C65-016E-4838-9342-834790FF027C}" dt="2026-01-27T17:43:56.978" v="3056" actId="26606"/>
-          <ac:spMkLst>
-            <pc:docMk/>
-            <pc:sldMk cId="0" sldId="257"/>
-            <ac:spMk id="11" creationId="{D80CFA21-AB7C-4BEB-9BFF-05764FBBF3C6}"/>
-          </ac:spMkLst>
-        </pc:spChg>
-        <pc:spChg chg="add del">
-          <ac:chgData name="Lucca Rosário" userId="6a125ecf6fd1e305" providerId="LiveId" clId="{21C86C65-016E-4838-9342-834790FF027C}" dt="2026-01-27T17:43:56.978" v="3056" actId="26606"/>
-          <ac:spMkLst>
-            <pc:docMk/>
-            <pc:sldMk cId="0" sldId="257"/>
-            <ac:spMk id="13" creationId="{12F7E335-851A-4CAE-B09F-E657819D4600}"/>
-          </ac:spMkLst>
-        </pc:spChg>
-        <pc:spChg chg="add del">
-          <ac:chgData name="Lucca Rosário" userId="6a125ecf6fd1e305" providerId="LiveId" clId="{21C86C65-016E-4838-9342-834790FF027C}" dt="2026-01-27T17:43:56.978" v="3056" actId="26606"/>
-          <ac:spMkLst>
-            <pc:docMk/>
-            <pc:sldMk cId="0" sldId="257"/>
-            <ac:spMk id="15" creationId="{10B541F0-7F6E-402E-84D8-CF96EACA5FBC}"/>
-          </ac:spMkLst>
-        </pc:spChg>
-        <pc:graphicFrameChg chg="add del">
-          <ac:chgData name="Lucca Rosário" userId="6a125ecf6fd1e305" providerId="LiveId" clId="{21C86C65-016E-4838-9342-834790FF027C}" dt="2026-01-27T17:43:56.978" v="3056" actId="26606"/>
-          <ac:graphicFrameMkLst>
-            <pc:docMk/>
-            <pc:sldMk cId="0" sldId="257"/>
-            <ac:graphicFrameMk id="5" creationId="{B3FFB956-2F39-FCC8-72FA-CD262C4CE50D}"/>
-          </ac:graphicFrameMkLst>
-        </pc:graphicFrameChg>
         <pc:picChg chg="add">
           <ac:chgData name="Lucca Rosário" userId="6a125ecf6fd1e305" providerId="LiveId" clId="{21C86C65-016E-4838-9342-834790FF027C}" dt="2026-01-27T17:43:59.921" v="3057" actId="26606"/>
           <ac:picMkLst>
@@ -270,7 +230,7 @@
         </pc:picChg>
       </pc:sldChg>
       <pc:sldChg chg="addSp delSp modSp mod setBg setClrOvrMap">
-        <pc:chgData name="Lucca Rosário" userId="6a125ecf6fd1e305" providerId="LiveId" clId="{21C86C65-016E-4838-9342-834790FF027C}" dt="2026-01-27T17:44:32.879" v="3064" actId="26606"/>
+        <pc:chgData name="Lucca Rosário" userId="6a125ecf6fd1e305" providerId="LiveId" clId="{21C86C65-016E-4838-9342-834790FF027C}" dt="2026-01-31T19:36:42.329" v="3225" actId="20577"/>
         <pc:sldMkLst>
           <pc:docMk/>
           <pc:sldMk cId="0" sldId="258"/>
@@ -281,46 +241,6 @@
             <pc:docMk/>
             <pc:sldMk cId="0" sldId="258"/>
             <ac:spMk id="2" creationId="{00000000-0000-0000-0000-000000000000}"/>
-          </ac:spMkLst>
-        </pc:spChg>
-        <pc:spChg chg="add del mod">
-          <ac:chgData name="Lucca Rosário" userId="6a125ecf6fd1e305" providerId="LiveId" clId="{21C86C65-016E-4838-9342-834790FF027C}" dt="2026-01-27T17:44:32.879" v="3064" actId="26606"/>
-          <ac:spMkLst>
-            <pc:docMk/>
-            <pc:sldMk cId="0" sldId="258"/>
-            <ac:spMk id="3" creationId="{00000000-0000-0000-0000-000000000000}"/>
-          </ac:spMkLst>
-        </pc:spChg>
-        <pc:spChg chg="add del">
-          <ac:chgData name="Lucca Rosário" userId="6a125ecf6fd1e305" providerId="LiveId" clId="{21C86C65-016E-4838-9342-834790FF027C}" dt="2026-01-27T17:44:32.851" v="3063" actId="26606"/>
-          <ac:spMkLst>
-            <pc:docMk/>
-            <pc:sldMk cId="0" sldId="258"/>
-            <ac:spMk id="9" creationId="{ABE6F9A3-300E-47F5-B41C-C8C5E758DE7C}"/>
-          </ac:spMkLst>
-        </pc:spChg>
-        <pc:spChg chg="add del">
-          <ac:chgData name="Lucca Rosário" userId="6a125ecf6fd1e305" providerId="LiveId" clId="{21C86C65-016E-4838-9342-834790FF027C}" dt="2026-01-27T17:44:32.851" v="3063" actId="26606"/>
-          <ac:spMkLst>
-            <pc:docMk/>
-            <pc:sldMk cId="0" sldId="258"/>
-            <ac:spMk id="11" creationId="{61B4701B-39FE-43B8-86AA-D6B8789C2207}"/>
-          </ac:spMkLst>
-        </pc:spChg>
-        <pc:spChg chg="add del">
-          <ac:chgData name="Lucca Rosário" userId="6a125ecf6fd1e305" providerId="LiveId" clId="{21C86C65-016E-4838-9342-834790FF027C}" dt="2026-01-27T17:44:32.851" v="3063" actId="26606"/>
-          <ac:spMkLst>
-            <pc:docMk/>
-            <pc:sldMk cId="0" sldId="258"/>
-            <ac:spMk id="13" creationId="{E9A7EF13-49FA-4355-971A-34B065F35022}"/>
-          </ac:spMkLst>
-        </pc:spChg>
-        <pc:spChg chg="add del">
-          <ac:chgData name="Lucca Rosário" userId="6a125ecf6fd1e305" providerId="LiveId" clId="{21C86C65-016E-4838-9342-834790FF027C}" dt="2026-01-27T17:44:32.851" v="3063" actId="26606"/>
-          <ac:spMkLst>
-            <pc:docMk/>
-            <pc:sldMk cId="0" sldId="258"/>
-            <ac:spMk id="15" creationId="{92CF3C3E-0F7B-4F0C-8EBD-BDD38E9C66F5}"/>
           </ac:spMkLst>
         </pc:spChg>
         <pc:spChg chg="add">
@@ -355,16 +275,8 @@
             <ac:spMk id="20" creationId="{C99B912D-1E4B-42AF-A2BE-CFEFEC916EE7}"/>
           </ac:spMkLst>
         </pc:spChg>
-        <pc:graphicFrameChg chg="add del">
-          <ac:chgData name="Lucca Rosário" userId="6a125ecf6fd1e305" providerId="LiveId" clId="{21C86C65-016E-4838-9342-834790FF027C}" dt="2026-01-27T17:44:32.851" v="3063" actId="26606"/>
-          <ac:graphicFrameMkLst>
-            <pc:docMk/>
-            <pc:sldMk cId="0" sldId="258"/>
-            <ac:graphicFrameMk id="5" creationId="{47C2F674-BB99-A0C2-0342-C5D3D8431FE8}"/>
-          </ac:graphicFrameMkLst>
-        </pc:graphicFrameChg>
-        <pc:graphicFrameChg chg="add">
-          <ac:chgData name="Lucca Rosário" userId="6a125ecf6fd1e305" providerId="LiveId" clId="{21C86C65-016E-4838-9342-834790FF027C}" dt="2026-01-27T17:44:32.879" v="3064" actId="26606"/>
+        <pc:graphicFrameChg chg="add modGraphic">
+          <ac:chgData name="Lucca Rosário" userId="6a125ecf6fd1e305" providerId="LiveId" clId="{21C86C65-016E-4838-9342-834790FF027C}" dt="2026-01-31T19:36:42.329" v="3225" actId="20577"/>
           <ac:graphicFrameMkLst>
             <pc:docMk/>
             <pc:sldMk cId="0" sldId="258"/>
@@ -384,14 +296,6 @@
             <pc:docMk/>
             <pc:sldMk cId="0" sldId="259"/>
             <ac:spMk id="2" creationId="{00000000-0000-0000-0000-000000000000}"/>
-          </ac:spMkLst>
-        </pc:spChg>
-        <pc:spChg chg="add del mod">
-          <ac:chgData name="Lucca Rosário" userId="6a125ecf6fd1e305" providerId="LiveId" clId="{21C86C65-016E-4838-9342-834790FF027C}" dt="2026-01-27T17:44:48.350" v="3067" actId="26606"/>
-          <ac:spMkLst>
-            <pc:docMk/>
-            <pc:sldMk cId="0" sldId="259"/>
-            <ac:spMk id="3" creationId="{00000000-0000-0000-0000-000000000000}"/>
           </ac:spMkLst>
         </pc:spChg>
         <pc:spChg chg="add">
@@ -426,14 +330,6 @@
             <ac:spMk id="15" creationId="{10B541F0-7F6E-402E-84D8-CF96EACA5FBC}"/>
           </ac:spMkLst>
         </pc:spChg>
-        <pc:graphicFrameChg chg="add del">
-          <ac:chgData name="Lucca Rosário" userId="6a125ecf6fd1e305" providerId="LiveId" clId="{21C86C65-016E-4838-9342-834790FF027C}" dt="2026-01-27T17:44:48.322" v="3066" actId="26606"/>
-          <ac:graphicFrameMkLst>
-            <pc:docMk/>
-            <pc:sldMk cId="0" sldId="259"/>
-            <ac:graphicFrameMk id="5" creationId="{97E25E8C-C53A-C23F-97BB-CF35EC0CCAC3}"/>
-          </ac:graphicFrameMkLst>
-        </pc:graphicFrameChg>
         <pc:graphicFrameChg chg="add">
           <ac:chgData name="Lucca Rosário" userId="6a125ecf6fd1e305" providerId="LiveId" clId="{21C86C65-016E-4838-9342-834790FF027C}" dt="2026-01-27T17:44:48.350" v="3067" actId="26606"/>
           <ac:graphicFrameMkLst>
@@ -444,7 +340,7 @@
         </pc:graphicFrameChg>
       </pc:sldChg>
       <pc:sldChg chg="modSp mod ord">
-        <pc:chgData name="Lucca Rosário" userId="6a125ecf6fd1e305" providerId="LiveId" clId="{21C86C65-016E-4838-9342-834790FF027C}" dt="2026-01-27T19:04:50.466" v="3161" actId="20577"/>
+        <pc:chgData name="Lucca Rosário" userId="6a125ecf6fd1e305" providerId="LiveId" clId="{21C86C65-016E-4838-9342-834790FF027C}" dt="2026-01-31T19:39:43.379" v="3282" actId="20577"/>
         <pc:sldMkLst>
           <pc:docMk/>
           <pc:sldMk cId="0" sldId="260"/>
@@ -458,7 +354,7 @@
           </ac:spMkLst>
         </pc:spChg>
         <pc:spChg chg="mod">
-          <ac:chgData name="Lucca Rosário" userId="6a125ecf6fd1e305" providerId="LiveId" clId="{21C86C65-016E-4838-9342-834790FF027C}" dt="2026-01-27T18:59:14.107" v="3142"/>
+          <ac:chgData name="Lucca Rosário" userId="6a125ecf6fd1e305" providerId="LiveId" clId="{21C86C65-016E-4838-9342-834790FF027C}" dt="2026-01-31T19:39:43.379" v="3282" actId="20577"/>
           <ac:spMkLst>
             <pc:docMk/>
             <pc:sldMk cId="0" sldId="260"/>
@@ -467,7 +363,7 @@
         </pc:spChg>
       </pc:sldChg>
       <pc:sldChg chg="addSp modSp mod setBg">
-        <pc:chgData name="Lucca Rosário" userId="6a125ecf6fd1e305" providerId="LiveId" clId="{21C86C65-016E-4838-9342-834790FF027C}" dt="2026-01-27T17:49:30.459" v="3121" actId="2711"/>
+        <pc:chgData name="Lucca Rosário" userId="6a125ecf6fd1e305" providerId="LiveId" clId="{21C86C65-016E-4838-9342-834790FF027C}" dt="2026-01-31T19:36:51.768" v="3227" actId="403"/>
         <pc:sldMkLst>
           <pc:docMk/>
           <pc:sldMk cId="0" sldId="261"/>
@@ -481,7 +377,7 @@
           </ac:spMkLst>
         </pc:spChg>
         <pc:spChg chg="mod">
-          <ac:chgData name="Lucca Rosário" userId="6a125ecf6fd1e305" providerId="LiveId" clId="{21C86C65-016E-4838-9342-834790FF027C}" dt="2026-01-27T17:49:30.459" v="3121" actId="2711"/>
+          <ac:chgData name="Lucca Rosário" userId="6a125ecf6fd1e305" providerId="LiveId" clId="{21C86C65-016E-4838-9342-834790FF027C}" dt="2026-01-31T19:36:51.768" v="3227" actId="403"/>
           <ac:spMkLst>
             <pc:docMk/>
             <pc:sldMk cId="0" sldId="261"/>
@@ -498,7 +394,7 @@
         </pc:picChg>
       </pc:sldChg>
       <pc:sldChg chg="addSp modSp mod setBg">
-        <pc:chgData name="Lucca Rosário" userId="6a125ecf6fd1e305" providerId="LiveId" clId="{21C86C65-016E-4838-9342-834790FF027C}" dt="2026-01-27T17:45:56.508" v="3085" actId="122"/>
+        <pc:chgData name="Lucca Rosário" userId="6a125ecf6fd1e305" providerId="LiveId" clId="{21C86C65-016E-4838-9342-834790FF027C}" dt="2026-01-31T19:37:47.700" v="3238" actId="20577"/>
         <pc:sldMkLst>
           <pc:docMk/>
           <pc:sldMk cId="0" sldId="262"/>
@@ -512,7 +408,7 @@
           </ac:spMkLst>
         </pc:spChg>
         <pc:spChg chg="mod">
-          <ac:chgData name="Lucca Rosário" userId="6a125ecf6fd1e305" providerId="LiveId" clId="{21C86C65-016E-4838-9342-834790FF027C}" dt="2026-01-27T17:45:49.424" v="3081" actId="14100"/>
+          <ac:chgData name="Lucca Rosário" userId="6a125ecf6fd1e305" providerId="LiveId" clId="{21C86C65-016E-4838-9342-834790FF027C}" dt="2026-01-31T19:37:47.700" v="3238" actId="20577"/>
           <ac:spMkLst>
             <pc:docMk/>
             <pc:sldMk cId="0" sldId="262"/>
@@ -529,7 +425,7 @@
         </pc:picChg>
       </pc:sldChg>
       <pc:sldChg chg="addSp delSp modSp mod setBg">
-        <pc:chgData name="Lucca Rosário" userId="6a125ecf6fd1e305" providerId="LiveId" clId="{21C86C65-016E-4838-9342-834790FF027C}" dt="2026-01-27T17:46:24.189" v="3099" actId="122"/>
+        <pc:chgData name="Lucca Rosário" userId="6a125ecf6fd1e305" providerId="LiveId" clId="{21C86C65-016E-4838-9342-834790FF027C}" dt="2026-01-31T19:38:19.323" v="3250" actId="20577"/>
         <pc:sldMkLst>
           <pc:docMk/>
           <pc:sldMk cId="0" sldId="263"/>
@@ -543,21 +439,13 @@
           </ac:spMkLst>
         </pc:spChg>
         <pc:spChg chg="mod">
-          <ac:chgData name="Lucca Rosário" userId="6a125ecf6fd1e305" providerId="LiveId" clId="{21C86C65-016E-4838-9342-834790FF027C}" dt="2026-01-27T17:46:18.071" v="3096" actId="5793"/>
+          <ac:chgData name="Lucca Rosário" userId="6a125ecf6fd1e305" providerId="LiveId" clId="{21C86C65-016E-4838-9342-834790FF027C}" dt="2026-01-31T19:38:19.323" v="3250" actId="20577"/>
           <ac:spMkLst>
             <pc:docMk/>
             <pc:sldMk cId="0" sldId="263"/>
             <ac:spMk id="3" creationId="{00000000-0000-0000-0000-000000000000}"/>
           </ac:spMkLst>
         </pc:spChg>
-        <pc:picChg chg="add del">
-          <ac:chgData name="Lucca Rosário" userId="6a125ecf6fd1e305" providerId="LiveId" clId="{21C86C65-016E-4838-9342-834790FF027C}" dt="2026-01-27T17:46:07.091" v="3087" actId="26606"/>
-          <ac:picMkLst>
-            <pc:docMk/>
-            <pc:sldMk cId="0" sldId="263"/>
-            <ac:picMk id="5" creationId="{7A57028F-CD1E-B0F7-4EDC-F940CCB180D4}"/>
-          </ac:picMkLst>
-        </pc:picChg>
         <pc:picChg chg="add">
           <ac:chgData name="Lucca Rosário" userId="6a125ecf6fd1e305" providerId="LiveId" clId="{21C86C65-016E-4838-9342-834790FF027C}" dt="2026-01-27T17:46:07.135" v="3088" actId="26606"/>
           <ac:picMkLst>
@@ -622,37 +510,14 @@
           </ac:spMkLst>
         </pc:spChg>
       </pc:sldChg>
-      <pc:sldChg chg="modSp del ord">
-        <pc:chgData name="Lucca Rosário" userId="6a125ecf6fd1e305" providerId="LiveId" clId="{21C86C65-016E-4838-9342-834790FF027C}" dt="2026-01-27T17:34:51.272" v="2004" actId="47"/>
-        <pc:sldMkLst>
-          <pc:docMk/>
-          <pc:sldMk cId="0" sldId="265"/>
-        </pc:sldMkLst>
-        <pc:spChg chg="mod">
-          <ac:chgData name="Lucca Rosário" userId="6a125ecf6fd1e305" providerId="LiveId" clId="{21C86C65-016E-4838-9342-834790FF027C}" dt="2026-01-27T17:09:42.645" v="71"/>
-          <ac:spMkLst>
-            <pc:docMk/>
-            <pc:sldMk cId="0" sldId="265"/>
-            <ac:spMk id="2" creationId="{00000000-0000-0000-0000-000000000000}"/>
-          </ac:spMkLst>
-        </pc:spChg>
-        <pc:spChg chg="mod">
-          <ac:chgData name="Lucca Rosário" userId="6a125ecf6fd1e305" providerId="LiveId" clId="{21C86C65-016E-4838-9342-834790FF027C}" dt="2026-01-27T17:09:42.645" v="71"/>
-          <ac:spMkLst>
-            <pc:docMk/>
-            <pc:sldMk cId="0" sldId="265"/>
-            <ac:spMk id="3" creationId="{00000000-0000-0000-0000-000000000000}"/>
-          </ac:spMkLst>
-        </pc:spChg>
-      </pc:sldChg>
       <pc:sldChg chg="addSp modSp mod setBg">
-        <pc:chgData name="Lucca Rosário" userId="6a125ecf6fd1e305" providerId="LiveId" clId="{21C86C65-016E-4838-9342-834790FF027C}" dt="2026-01-27T17:47:30.090" v="3110" actId="122"/>
+        <pc:chgData name="Lucca Rosário" userId="6a125ecf6fd1e305" providerId="LiveId" clId="{21C86C65-016E-4838-9342-834790FF027C}" dt="2026-01-31T19:44:14.041" v="3430" actId="20577"/>
         <pc:sldMkLst>
           <pc:docMk/>
           <pc:sldMk cId="0" sldId="266"/>
         </pc:sldMkLst>
         <pc:spChg chg="mod">
-          <ac:chgData name="Lucca Rosário" userId="6a125ecf6fd1e305" providerId="LiveId" clId="{21C86C65-016E-4838-9342-834790FF027C}" dt="2026-01-27T17:47:30.090" v="3110" actId="122"/>
+          <ac:chgData name="Lucca Rosário" userId="6a125ecf6fd1e305" providerId="LiveId" clId="{21C86C65-016E-4838-9342-834790FF027C}" dt="2026-01-31T18:22:00.507" v="3193" actId="14100"/>
           <ac:spMkLst>
             <pc:docMk/>
             <pc:sldMk cId="0" sldId="266"/>
@@ -660,7 +525,7 @@
           </ac:spMkLst>
         </pc:spChg>
         <pc:spChg chg="mod">
-          <ac:chgData name="Lucca Rosário" userId="6a125ecf6fd1e305" providerId="LiveId" clId="{21C86C65-016E-4838-9342-834790FF027C}" dt="2026-01-27T17:47:25.758" v="3108" actId="123"/>
+          <ac:chgData name="Lucca Rosário" userId="6a125ecf6fd1e305" providerId="LiveId" clId="{21C86C65-016E-4838-9342-834790FF027C}" dt="2026-01-31T19:44:14.041" v="3430" actId="20577"/>
           <ac:spMkLst>
             <pc:docMk/>
             <pc:sldMk cId="0" sldId="266"/>
@@ -701,7 +566,7 @@
         </pc:spChg>
       </pc:sldChg>
       <pc:sldChg chg="addSp modSp mod setBg">
-        <pc:chgData name="Lucca Rosário" userId="6a125ecf6fd1e305" providerId="LiveId" clId="{21C86C65-016E-4838-9342-834790FF027C}" dt="2026-01-27T17:47:58.044" v="3119" actId="1076"/>
+        <pc:chgData name="Lucca Rosário" userId="6a125ecf6fd1e305" providerId="LiveId" clId="{21C86C65-016E-4838-9342-834790FF027C}" dt="2026-01-31T19:42:48.860" v="3287" actId="20577"/>
         <pc:sldMkLst>
           <pc:docMk/>
           <pc:sldMk cId="0" sldId="267"/>
@@ -715,7 +580,7 @@
           </ac:spMkLst>
         </pc:spChg>
         <pc:spChg chg="mod">
-          <ac:chgData name="Lucca Rosário" userId="6a125ecf6fd1e305" providerId="LiveId" clId="{21C86C65-016E-4838-9342-834790FF027C}" dt="2026-01-27T17:47:54.494" v="3118" actId="1076"/>
+          <ac:chgData name="Lucca Rosário" userId="6a125ecf6fd1e305" providerId="LiveId" clId="{21C86C65-016E-4838-9342-834790FF027C}" dt="2026-01-31T19:42:48.860" v="3287" actId="20577"/>
           <ac:spMkLst>
             <pc:docMk/>
             <pc:sldMk cId="0" sldId="267"/>
@@ -751,14 +616,6 @@
             <pc:docMk/>
             <pc:sldMk cId="876478375" sldId="268"/>
             <ac:spMk id="3" creationId="{1ED6FBCC-32AB-DBA3-ABFA-6E48AB60C378}"/>
-          </ac:spMkLst>
-        </pc:spChg>
-        <pc:spChg chg="del mod">
-          <ac:chgData name="Lucca Rosário" userId="6a125ecf6fd1e305" providerId="LiveId" clId="{21C86C65-016E-4838-9342-834790FF027C}" dt="2026-01-27T17:47:04.804" v="3103" actId="26606"/>
-          <ac:spMkLst>
-            <pc:docMk/>
-            <pc:sldMk cId="876478375" sldId="268"/>
-            <ac:spMk id="3" creationId="{9E6ABFB0-D30E-FAD7-E6FD-8A02F9C5DB46}"/>
           </ac:spMkLst>
         </pc:spChg>
         <pc:spChg chg="add">
@@ -801,21 +658,6 @@
             <ac:graphicFrameMk id="5" creationId="{10A4C91B-3726-9A7F-D349-44D9FAF1A2CF}"/>
           </ac:graphicFrameMkLst>
         </pc:graphicFrameChg>
-      </pc:sldChg>
-      <pc:sldChg chg="modSp add del mod">
-        <pc:chgData name="Lucca Rosário" userId="6a125ecf6fd1e305" providerId="LiveId" clId="{21C86C65-016E-4838-9342-834790FF027C}" dt="2026-01-27T18:59:16.906" v="3143" actId="47"/>
-        <pc:sldMkLst>
-          <pc:docMk/>
-          <pc:sldMk cId="3273688917" sldId="269"/>
-        </pc:sldMkLst>
-        <pc:spChg chg="mod">
-          <ac:chgData name="Lucca Rosário" userId="6a125ecf6fd1e305" providerId="LiveId" clId="{21C86C65-016E-4838-9342-834790FF027C}" dt="2026-01-27T17:51:17.384" v="3134" actId="1076"/>
-          <ac:spMkLst>
-            <pc:docMk/>
-            <pc:sldMk cId="3273688917" sldId="269"/>
-            <ac:spMk id="3" creationId="{340B0B6B-E313-401B-8178-135A999D5CFA}"/>
-          </ac:spMkLst>
-        </pc:spChg>
       </pc:sldChg>
     </pc:docChg>
   </pc:docChgLst>
@@ -3448,7 +3290,7 @@
 <dgm:dataModel xmlns:dgm="http://schemas.openxmlformats.org/drawingml/2006/diagram" xmlns:a="http://schemas.openxmlformats.org/drawingml/2006/main">
   <dgm:ptLst>
     <dgm:pt modelId="{421B3B89-8B57-4915-B91B-79878BA161E8}" type="doc">
-      <dgm:prSet loTypeId="urn:microsoft.com/office/officeart/2005/8/layout/vList2" loCatId="list" qsTypeId="urn:microsoft.com/office/officeart/2005/8/quickstyle/simple4" qsCatId="simple" csTypeId="urn:microsoft.com/office/officeart/2005/8/colors/colorful2" csCatId="colorful"/>
+      <dgm:prSet loTypeId="urn:microsoft.com/office/officeart/2005/8/layout/vList2" loCatId="list" qsTypeId="urn:microsoft.com/office/officeart/2005/8/quickstyle/simple4" qsCatId="simple" csTypeId="urn:microsoft.com/office/officeart/2005/8/colors/colorful2" csCatId="colorful" phldr="1"/>
       <dgm:spPr/>
       <dgm:t>
         <a:bodyPr/>
@@ -3466,14 +3308,34 @@
         <a:lstStyle/>
         <a:p>
           <a:r>
-            <a:rPr lang="en-US"/>
-            <a:t>466,9 mil acidentes distintos registrados</a:t>
+            <a:rPr lang="en-US" dirty="0"/>
+            <a:t>473,6 mil </a:t>
           </a:r>
           <a:r>
-            <a:rPr lang="pt-BR"/>
+            <a:rPr lang="en-US" dirty="0" err="1"/>
+            <a:t>acidentes</a:t>
+          </a:r>
+          <a:r>
+            <a:rPr lang="en-US" dirty="0"/>
+            <a:t> </a:t>
+          </a:r>
+          <a:r>
+            <a:rPr lang="en-US" dirty="0" err="1"/>
+            <a:t>distintos</a:t>
+          </a:r>
+          <a:r>
+            <a:rPr lang="en-US" dirty="0"/>
+            <a:t> </a:t>
+          </a:r>
+          <a:r>
+            <a:rPr lang="en-US" dirty="0" err="1"/>
+            <a:t>registrados</a:t>
+          </a:r>
+          <a:r>
+            <a:rPr lang="pt-BR" dirty="0"/>
             <a:t>;</a:t>
           </a:r>
-          <a:endParaRPr lang="en-US"/>
+          <a:endParaRPr lang="en-US" dirty="0"/>
         </a:p>
       </dgm:t>
     </dgm:pt>
@@ -3552,14 +3414,54 @@
         <a:lstStyle/>
         <a:p>
           <a:r>
-            <a:rPr lang="en-US"/>
-            <a:t>155 mil vítimas fatais | Taxa média de fatalidade: 5,5%</a:t>
+            <a:rPr lang="en-US" dirty="0"/>
+            <a:t>158 mil </a:t>
           </a:r>
           <a:r>
-            <a:rPr lang="pt-BR"/>
+            <a:rPr lang="en-US" dirty="0" err="1"/>
+            <a:t>vítimas</a:t>
+          </a:r>
+          <a:r>
+            <a:rPr lang="en-US" dirty="0"/>
+            <a:t> </a:t>
+          </a:r>
+          <a:r>
+            <a:rPr lang="en-US" dirty="0" err="1"/>
+            <a:t>fatais</a:t>
+          </a:r>
+          <a:r>
+            <a:rPr lang="en-US" dirty="0"/>
+            <a:t> </a:t>
+          </a:r>
+          <a:r>
+            <a:rPr lang="en-US" dirty="0" err="1"/>
+            <a:t>aproximadamente</a:t>
+          </a:r>
+          <a:r>
+            <a:rPr lang="en-US" dirty="0"/>
+            <a:t>| Taxa </a:t>
+          </a:r>
+          <a:r>
+            <a:rPr lang="en-US" dirty="0" err="1"/>
+            <a:t>média</a:t>
+          </a:r>
+          <a:r>
+            <a:rPr lang="en-US" dirty="0"/>
+            <a:t> de </a:t>
+          </a:r>
+          <a:r>
+            <a:rPr lang="en-US" dirty="0" err="1"/>
+            <a:t>fatalidade</a:t>
+          </a:r>
+          <a:r>
+            <a:rPr lang="en-US" dirty="0"/>
+            <a:t>: 5,5%</a:t>
+          </a:r>
+          <a:r>
+            <a:rPr lang="pt-BR" dirty="0"/>
             <a:t>;</a:t>
           </a:r>
-          <a:endParaRPr lang="en-US"/>
+          <a:endParaRPr lang="en-US" dirty="0"/>
         </a:p>
       </dgm:t>
     </dgm:pt>
@@ -3634,10 +3536,10 @@
         <a:lstStyle/>
         <a:p>
           <a:r>
-            <a:rPr lang="pt-BR"/>
-            <a:t>Aproximadamente 67 mil acidentes rodoviários em média no Brasil</a:t>
+            <a:rPr lang="pt-BR" dirty="0"/>
+            <a:t>Mais de 67 mil acidentes rodoviários em média no Brasil</a:t>
           </a:r>
-          <a:endParaRPr lang="en-US"/>
+          <a:endParaRPr lang="en-US" dirty="0"/>
         </a:p>
       </dgm:t>
     </dgm:pt>
@@ -4401,8 +4303,8 @@
       </dsp:nvSpPr>
       <dsp:spPr>
         <a:xfrm>
-          <a:off x="0" y="289615"/>
-          <a:ext cx="4872038" cy="754777"/>
+          <a:off x="0" y="394687"/>
+          <a:ext cx="4872038" cy="715052"/>
         </a:xfrm>
         <a:prstGeom prst="roundRect">
           <a:avLst/>
@@ -4458,12 +4360,12 @@
         </a:fontRef>
       </dsp:style>
       <dsp:txBody>
-        <a:bodyPr spcFirstLastPara="0" vert="horz" wrap="square" lIns="72390" tIns="72390" rIns="72390" bIns="72390" numCol="1" spcCol="1270" anchor="ctr" anchorCtr="0">
+        <a:bodyPr spcFirstLastPara="0" vert="horz" wrap="square" lIns="68580" tIns="68580" rIns="68580" bIns="68580" numCol="1" spcCol="1270" anchor="ctr" anchorCtr="0">
           <a:noAutofit/>
         </a:bodyPr>
         <a:lstStyle/>
         <a:p>
-          <a:pPr marL="0" lvl="0" indent="0" algn="l" defTabSz="844550">
+          <a:pPr marL="0" lvl="0" indent="0" algn="l" defTabSz="800100">
             <a:lnSpc>
               <a:spcPct val="90000"/>
             </a:lnSpc>
@@ -4476,19 +4378,39 @@
             <a:buNone/>
           </a:pPr>
           <a:r>
-            <a:rPr lang="en-US" sz="1900" kern="1200"/>
-            <a:t>466,9 mil acidentes distintos registrados</a:t>
+            <a:rPr lang="en-US" sz="1800" kern="1200" dirty="0"/>
+            <a:t>473,6 mil </a:t>
           </a:r>
           <a:r>
-            <a:rPr lang="pt-BR" sz="1900" kern="1200"/>
+            <a:rPr lang="en-US" sz="1800" kern="1200" dirty="0" err="1"/>
+            <a:t>acidentes</a:t>
+          </a:r>
+          <a:r>
+            <a:rPr lang="en-US" sz="1800" kern="1200" dirty="0"/>
+            <a:t> </a:t>
+          </a:r>
+          <a:r>
+            <a:rPr lang="en-US" sz="1800" kern="1200" dirty="0" err="1"/>
+            <a:t>distintos</a:t>
+          </a:r>
+          <a:r>
+            <a:rPr lang="en-US" sz="1800" kern="1200" dirty="0"/>
+            <a:t> </a:t>
+          </a:r>
+          <a:r>
+            <a:rPr lang="en-US" sz="1800" kern="1200" dirty="0" err="1"/>
+            <a:t>registrados</a:t>
+          </a:r>
+          <a:r>
+            <a:rPr lang="pt-BR" sz="1800" kern="1200" dirty="0"/>
             <a:t>;</a:t>
           </a:r>
-          <a:endParaRPr lang="en-US" sz="1900" kern="1200"/>
+          <a:endParaRPr lang="en-US" sz="1800" kern="1200" dirty="0"/>
         </a:p>
       </dsp:txBody>
       <dsp:txXfrm>
-        <a:off x="36845" y="326460"/>
-        <a:ext cx="4798348" cy="681087"/>
+        <a:off x="34906" y="429593"/>
+        <a:ext cx="4802226" cy="645240"/>
       </dsp:txXfrm>
     </dsp:sp>
     <dsp:sp modelId="{5F729F06-D5E3-4AE6-B567-12092C46460D}">
@@ -4498,8 +4420,8 @@
       </dsp:nvSpPr>
       <dsp:spPr>
         <a:xfrm>
-          <a:off x="0" y="1099113"/>
-          <a:ext cx="4872038" cy="754777"/>
+          <a:off x="0" y="1161580"/>
+          <a:ext cx="4872038" cy="715052"/>
         </a:xfrm>
         <a:prstGeom prst="roundRect">
           <a:avLst/>
@@ -4555,12 +4477,12 @@
         </a:fontRef>
       </dsp:style>
       <dsp:txBody>
-        <a:bodyPr spcFirstLastPara="0" vert="horz" wrap="square" lIns="72390" tIns="72390" rIns="72390" bIns="72390" numCol="1" spcCol="1270" anchor="ctr" anchorCtr="0">
+        <a:bodyPr spcFirstLastPara="0" vert="horz" wrap="square" lIns="68580" tIns="68580" rIns="68580" bIns="68580" numCol="1" spcCol="1270" anchor="ctr" anchorCtr="0">
           <a:noAutofit/>
         </a:bodyPr>
         <a:lstStyle/>
         <a:p>
-          <a:pPr marL="0" lvl="0" indent="0" algn="l" defTabSz="844550">
+          <a:pPr marL="0" lvl="0" indent="0" algn="l" defTabSz="800100">
             <a:lnSpc>
               <a:spcPct val="90000"/>
             </a:lnSpc>
@@ -4573,23 +4495,23 @@
             <a:buNone/>
           </a:pPr>
           <a:r>
-            <a:rPr lang="pt-BR" sz="1900" kern="1200"/>
+            <a:rPr lang="pt-BR" sz="1800" kern="1200"/>
             <a:t>Aproximadamente </a:t>
           </a:r>
           <a:r>
-            <a:rPr lang="en-US" sz="1900" kern="1200"/>
+            <a:rPr lang="en-US" sz="1800" kern="1200"/>
             <a:t>3 milhões de vítimas no período analisado</a:t>
           </a:r>
           <a:r>
-            <a:rPr lang="pt-BR" sz="1900" kern="1200"/>
+            <a:rPr lang="pt-BR" sz="1800" kern="1200"/>
             <a:t> (2019 – 2025);</a:t>
           </a:r>
-          <a:endParaRPr lang="en-US" sz="1900" kern="1200"/>
+          <a:endParaRPr lang="en-US" sz="1800" kern="1200"/>
         </a:p>
       </dsp:txBody>
       <dsp:txXfrm>
-        <a:off x="36845" y="1135958"/>
-        <a:ext cx="4798348" cy="681087"/>
+        <a:off x="34906" y="1196486"/>
+        <a:ext cx="4802226" cy="645240"/>
       </dsp:txXfrm>
     </dsp:sp>
     <dsp:sp modelId="{85D7B9F0-5A14-49D5-AD38-76FE184F22B3}">
@@ -4599,8 +4521,8 @@
       </dsp:nvSpPr>
       <dsp:spPr>
         <a:xfrm>
-          <a:off x="0" y="1908611"/>
-          <a:ext cx="4872038" cy="754777"/>
+          <a:off x="0" y="1928473"/>
+          <a:ext cx="4872038" cy="715052"/>
         </a:xfrm>
         <a:prstGeom prst="roundRect">
           <a:avLst/>
@@ -4656,12 +4578,12 @@
         </a:fontRef>
       </dsp:style>
       <dsp:txBody>
-        <a:bodyPr spcFirstLastPara="0" vert="horz" wrap="square" lIns="72390" tIns="72390" rIns="72390" bIns="72390" numCol="1" spcCol="1270" anchor="ctr" anchorCtr="0">
+        <a:bodyPr spcFirstLastPara="0" vert="horz" wrap="square" lIns="68580" tIns="68580" rIns="68580" bIns="68580" numCol="1" spcCol="1270" anchor="ctr" anchorCtr="0">
           <a:noAutofit/>
         </a:bodyPr>
         <a:lstStyle/>
         <a:p>
-          <a:pPr marL="0" lvl="0" indent="0" algn="l" defTabSz="844550">
+          <a:pPr marL="0" lvl="0" indent="0" algn="l" defTabSz="800100">
             <a:lnSpc>
               <a:spcPct val="90000"/>
             </a:lnSpc>
@@ -4674,19 +4596,59 @@
             <a:buNone/>
           </a:pPr>
           <a:r>
-            <a:rPr lang="en-US" sz="1900" kern="1200"/>
-            <a:t>155 mil vítimas fatais | Taxa média de fatalidade: 5,5%</a:t>
+            <a:rPr lang="en-US" sz="1800" kern="1200" dirty="0"/>
+            <a:t>158 mil </a:t>
           </a:r>
           <a:r>
-            <a:rPr lang="pt-BR" sz="1900" kern="1200"/>
+            <a:rPr lang="en-US" sz="1800" kern="1200" dirty="0" err="1"/>
+            <a:t>vítimas</a:t>
+          </a:r>
+          <a:r>
+            <a:rPr lang="en-US" sz="1800" kern="1200" dirty="0"/>
+            <a:t> </a:t>
+          </a:r>
+          <a:r>
+            <a:rPr lang="en-US" sz="1800" kern="1200" dirty="0" err="1"/>
+            <a:t>fatais</a:t>
+          </a:r>
+          <a:r>
+            <a:rPr lang="en-US" sz="1800" kern="1200" dirty="0"/>
+            <a:t> </a:t>
+          </a:r>
+          <a:r>
+            <a:rPr lang="en-US" sz="1800" kern="1200" dirty="0" err="1"/>
+            <a:t>aproximadamente</a:t>
+          </a:r>
+          <a:r>
+            <a:rPr lang="en-US" sz="1800" kern="1200" dirty="0"/>
+            <a:t>| Taxa </a:t>
+          </a:r>
+          <a:r>
+            <a:rPr lang="en-US" sz="1800" kern="1200" dirty="0" err="1"/>
+            <a:t>média</a:t>
+          </a:r>
+          <a:r>
+            <a:rPr lang="en-US" sz="1800" kern="1200" dirty="0"/>
+            <a:t> de </a:t>
+          </a:r>
+          <a:r>
+            <a:rPr lang="en-US" sz="1800" kern="1200" dirty="0" err="1"/>
+            <a:t>fatalidade</a:t>
+          </a:r>
+          <a:r>
+            <a:rPr lang="en-US" sz="1800" kern="1200" dirty="0"/>
+            <a:t>: 5,5%</a:t>
+          </a:r>
+          <a:r>
+            <a:rPr lang="pt-BR" sz="1800" kern="1200" dirty="0"/>
             <a:t>;</a:t>
           </a:r>
-          <a:endParaRPr lang="en-US" sz="1900" kern="1200"/>
+          <a:endParaRPr lang="en-US" sz="1800" kern="1200" dirty="0"/>
         </a:p>
       </dsp:txBody>
       <dsp:txXfrm>
-        <a:off x="36845" y="1945456"/>
-        <a:ext cx="4798348" cy="681087"/>
+        <a:off x="34906" y="1963379"/>
+        <a:ext cx="4802226" cy="645240"/>
       </dsp:txXfrm>
     </dsp:sp>
     <dsp:sp modelId="{E5DCECB3-2835-4DCA-B0EC-7AA706A7A0D5}">
@@ -4696,8 +4658,8 @@
       </dsp:nvSpPr>
       <dsp:spPr>
         <a:xfrm>
-          <a:off x="0" y="2718108"/>
-          <a:ext cx="4872038" cy="754777"/>
+          <a:off x="0" y="2695366"/>
+          <a:ext cx="4872038" cy="715052"/>
         </a:xfrm>
         <a:prstGeom prst="roundRect">
           <a:avLst/>
@@ -4753,12 +4715,12 @@
         </a:fontRef>
       </dsp:style>
       <dsp:txBody>
-        <a:bodyPr spcFirstLastPara="0" vert="horz" wrap="square" lIns="72390" tIns="72390" rIns="72390" bIns="72390" numCol="1" spcCol="1270" anchor="ctr" anchorCtr="0">
+        <a:bodyPr spcFirstLastPara="0" vert="horz" wrap="square" lIns="68580" tIns="68580" rIns="68580" bIns="68580" numCol="1" spcCol="1270" anchor="ctr" anchorCtr="0">
           <a:noAutofit/>
         </a:bodyPr>
         <a:lstStyle/>
         <a:p>
-          <a:pPr marL="0" lvl="0" indent="0" algn="l" defTabSz="844550">
+          <a:pPr marL="0" lvl="0" indent="0" algn="l" defTabSz="800100">
             <a:lnSpc>
               <a:spcPct val="90000"/>
             </a:lnSpc>
@@ -4771,19 +4733,19 @@
             <a:buNone/>
           </a:pPr>
           <a:r>
-            <a:rPr lang="en-US" sz="1900" kern="1200"/>
+            <a:rPr lang="en-US" sz="1800" kern="1200"/>
             <a:t>Faixa etária mais envolvida: 25–34 anos</a:t>
           </a:r>
           <a:r>
-            <a:rPr lang="pt-BR" sz="1900" kern="1200"/>
+            <a:rPr lang="pt-BR" sz="1800" kern="1200"/>
             <a:t>;</a:t>
           </a:r>
-          <a:endParaRPr lang="en-US" sz="1900" kern="1200"/>
+          <a:endParaRPr lang="en-US" sz="1800" kern="1200"/>
         </a:p>
       </dsp:txBody>
       <dsp:txXfrm>
-        <a:off x="36845" y="2754953"/>
-        <a:ext cx="4798348" cy="681087"/>
+        <a:off x="34906" y="2730272"/>
+        <a:ext cx="4802226" cy="645240"/>
       </dsp:txXfrm>
     </dsp:sp>
     <dsp:sp modelId="{6DFFE684-7C2E-4B7F-B599-AAABB1D332A4}">
@@ -4793,8 +4755,8 @@
       </dsp:nvSpPr>
       <dsp:spPr>
         <a:xfrm>
-          <a:off x="0" y="3527606"/>
-          <a:ext cx="4872038" cy="754777"/>
+          <a:off x="0" y="3462259"/>
+          <a:ext cx="4872038" cy="715052"/>
         </a:xfrm>
         <a:prstGeom prst="roundRect">
           <a:avLst/>
@@ -4850,12 +4812,12 @@
         </a:fontRef>
       </dsp:style>
       <dsp:txBody>
-        <a:bodyPr spcFirstLastPara="0" vert="horz" wrap="square" lIns="72390" tIns="72390" rIns="72390" bIns="72390" numCol="1" spcCol="1270" anchor="ctr" anchorCtr="0">
+        <a:bodyPr spcFirstLastPara="0" vert="horz" wrap="square" lIns="68580" tIns="68580" rIns="68580" bIns="68580" numCol="1" spcCol="1270" anchor="ctr" anchorCtr="0">
           <a:noAutofit/>
         </a:bodyPr>
         <a:lstStyle/>
         <a:p>
-          <a:pPr marL="0" lvl="0" indent="0" algn="l" defTabSz="844550">
+          <a:pPr marL="0" lvl="0" indent="0" algn="l" defTabSz="800100">
             <a:lnSpc>
               <a:spcPct val="90000"/>
             </a:lnSpc>
@@ -4868,15 +4830,15 @@
             <a:buNone/>
           </a:pPr>
           <a:r>
-            <a:rPr lang="pt-BR" sz="1900" kern="1200"/>
-            <a:t>Aproximadamente 67 mil acidentes rodoviários em média no Brasil</a:t>
+            <a:rPr lang="pt-BR" sz="1800" kern="1200" dirty="0"/>
+            <a:t>Mais de 67 mil acidentes rodoviários em média no Brasil</a:t>
           </a:r>
-          <a:endParaRPr lang="en-US" sz="1900" kern="1200"/>
+          <a:endParaRPr lang="en-US" sz="1800" kern="1200" dirty="0"/>
         </a:p>
       </dsp:txBody>
       <dsp:txXfrm>
-        <a:off x="36845" y="3564451"/>
-        <a:ext cx="4798348" cy="681087"/>
+        <a:off x="34906" y="3497165"/>
+        <a:ext cx="4802226" cy="645240"/>
       </dsp:txXfrm>
     </dsp:sp>
   </dsp:spTree>
@@ -9787,7 +9749,7 @@
           <a:p>
             <a:fld id="{5BCAD085-E8A6-8845-BD4E-CB4CCA059FC4}" type="datetimeFigureOut">
               <a:rPr lang="en-US" smtClean="0"/>
-              <a:t>1/27/2026</a:t>
+              <a:t>1/31/2026</a:t>
             </a:fld>
             <a:endParaRPr lang="en-US"/>
           </a:p>
@@ -10062,7 +10024,7 @@
           <a:p>
             <a:fld id="{5BCAD085-E8A6-8845-BD4E-CB4CCA059FC4}" type="datetimeFigureOut">
               <a:rPr lang="en-US" smtClean="0"/>
-              <a:t>1/27/2026</a:t>
+              <a:t>1/31/2026</a:t>
             </a:fld>
             <a:endParaRPr lang="en-US"/>
           </a:p>
@@ -10256,7 +10218,7 @@
           <a:p>
             <a:fld id="{5BCAD085-E8A6-8845-BD4E-CB4CCA059FC4}" type="datetimeFigureOut">
               <a:rPr lang="en-US" smtClean="0"/>
-              <a:t>1/27/2026</a:t>
+              <a:t>1/31/2026</a:t>
             </a:fld>
             <a:endParaRPr lang="en-US"/>
           </a:p>
@@ -10529,7 +10491,7 @@
           <a:p>
             <a:fld id="{5BCAD085-E8A6-8845-BD4E-CB4CCA059FC4}" type="datetimeFigureOut">
               <a:rPr lang="en-US" smtClean="0"/>
-              <a:t>1/27/2026</a:t>
+              <a:t>1/31/2026</a:t>
             </a:fld>
             <a:endParaRPr lang="en-US"/>
           </a:p>
@@ -10870,7 +10832,7 @@
           <a:p>
             <a:fld id="{5BCAD085-E8A6-8845-BD4E-CB4CCA059FC4}" type="datetimeFigureOut">
               <a:rPr lang="en-US" smtClean="0"/>
-              <a:t>1/27/2026</a:t>
+              <a:t>1/31/2026</a:t>
             </a:fld>
             <a:endParaRPr lang="en-US"/>
           </a:p>
@@ -11493,7 +11455,7 @@
           <a:p>
             <a:fld id="{5BCAD085-E8A6-8845-BD4E-CB4CCA059FC4}" type="datetimeFigureOut">
               <a:rPr lang="en-US" smtClean="0"/>
-              <a:t>1/27/2026</a:t>
+              <a:t>1/31/2026</a:t>
             </a:fld>
             <a:endParaRPr lang="en-US"/>
           </a:p>
@@ -12353,7 +12315,7 @@
           <a:p>
             <a:fld id="{5BCAD085-E8A6-8845-BD4E-CB4CCA059FC4}" type="datetimeFigureOut">
               <a:rPr lang="en-US" smtClean="0"/>
-              <a:t>1/27/2026</a:t>
+              <a:t>1/31/2026</a:t>
             </a:fld>
             <a:endParaRPr lang="en-US"/>
           </a:p>
@@ -12523,7 +12485,7 @@
           <a:p>
             <a:fld id="{5BCAD085-E8A6-8845-BD4E-CB4CCA059FC4}" type="datetimeFigureOut">
               <a:rPr lang="en-US" smtClean="0"/>
-              <a:t>1/27/2026</a:t>
+              <a:t>1/31/2026</a:t>
             </a:fld>
             <a:endParaRPr lang="en-US"/>
           </a:p>
@@ -12703,7 +12665,7 @@
           <a:p>
             <a:fld id="{5BCAD085-E8A6-8845-BD4E-CB4CCA059FC4}" type="datetimeFigureOut">
               <a:rPr lang="en-US" smtClean="0"/>
-              <a:t>1/27/2026</a:t>
+              <a:t>1/31/2026</a:t>
             </a:fld>
             <a:endParaRPr lang="en-US"/>
           </a:p>
@@ -12873,7 +12835,7 @@
           <a:p>
             <a:fld id="{5BCAD085-E8A6-8845-BD4E-CB4CCA059FC4}" type="datetimeFigureOut">
               <a:rPr lang="en-US" smtClean="0"/>
-              <a:t>1/27/2026</a:t>
+              <a:t>1/31/2026</a:t>
             </a:fld>
             <a:endParaRPr lang="en-US"/>
           </a:p>
@@ -13120,7 +13082,7 @@
           <a:p>
             <a:fld id="{5BCAD085-E8A6-8845-BD4E-CB4CCA059FC4}" type="datetimeFigureOut">
               <a:rPr lang="en-US" smtClean="0"/>
-              <a:t>1/27/2026</a:t>
+              <a:t>1/31/2026</a:t>
             </a:fld>
             <a:endParaRPr lang="en-US"/>
           </a:p>
@@ -13412,7 +13374,7 @@
           <a:p>
             <a:fld id="{5BCAD085-E8A6-8845-BD4E-CB4CCA059FC4}" type="datetimeFigureOut">
               <a:rPr lang="en-US" smtClean="0"/>
-              <a:t>1/27/2026</a:t>
+              <a:t>1/31/2026</a:t>
             </a:fld>
             <a:endParaRPr lang="en-US"/>
           </a:p>
@@ -13856,7 +13818,7 @@
           <a:p>
             <a:fld id="{5BCAD085-E8A6-8845-BD4E-CB4CCA059FC4}" type="datetimeFigureOut">
               <a:rPr lang="en-US" smtClean="0"/>
-              <a:t>1/27/2026</a:t>
+              <a:t>1/31/2026</a:t>
             </a:fld>
             <a:endParaRPr lang="en-US"/>
           </a:p>
@@ -13974,7 +13936,7 @@
           <a:p>
             <a:fld id="{5BCAD085-E8A6-8845-BD4E-CB4CCA059FC4}" type="datetimeFigureOut">
               <a:rPr lang="en-US" smtClean="0"/>
-              <a:t>1/27/2026</a:t>
+              <a:t>1/31/2026</a:t>
             </a:fld>
             <a:endParaRPr lang="en-US"/>
           </a:p>
@@ -14069,7 +14031,7 @@
           <a:p>
             <a:fld id="{5BCAD085-E8A6-8845-BD4E-CB4CCA059FC4}" type="datetimeFigureOut">
               <a:rPr lang="en-US" smtClean="0"/>
-              <a:t>1/27/2026</a:t>
+              <a:t>1/31/2026</a:t>
             </a:fld>
             <a:endParaRPr lang="en-US"/>
           </a:p>
@@ -14348,7 +14310,7 @@
           <a:p>
             <a:fld id="{5BCAD085-E8A6-8845-BD4E-CB4CCA059FC4}" type="datetimeFigureOut">
               <a:rPr lang="en-US" smtClean="0"/>
-              <a:t>1/27/2026</a:t>
+              <a:t>1/31/2026</a:t>
             </a:fld>
             <a:endParaRPr lang="en-US"/>
           </a:p>
@@ -14623,7 +14585,7 @@
           <a:p>
             <a:fld id="{5BCAD085-E8A6-8845-BD4E-CB4CCA059FC4}" type="datetimeFigureOut">
               <a:rPr lang="en-US" smtClean="0"/>
-              <a:t>1/27/2026</a:t>
+              <a:t>1/31/2026</a:t>
             </a:fld>
             <a:endParaRPr lang="en-US"/>
           </a:p>
@@ -15230,7 +15192,7 @@
           <a:p>
             <a:fld id="{5BCAD085-E8A6-8845-BD4E-CB4CCA059FC4}" type="datetimeFigureOut">
               <a:rPr lang="en-US" smtClean="0"/>
-              <a:t>1/27/2026</a:t>
+              <a:t>1/31/2026</a:t>
             </a:fld>
             <a:endParaRPr lang="en-US"/>
           </a:p>
@@ -18200,8 +18162,8 @@
         </p:nvSpPr>
         <p:spPr>
           <a:xfrm>
-            <a:off x="209264" y="1645920"/>
-            <a:ext cx="2642159" cy="4470821"/>
+            <a:off x="209264" y="2185416"/>
+            <a:ext cx="2642159" cy="3931325"/>
           </a:xfrm>
         </p:spPr>
         <p:txBody>
@@ -18257,14 +18219,15 @@
                 <a:latin typeface="Arial" panose="020B0604020202020204" pitchFamily="34" charset="0"/>
                 <a:cs typeface="Arial" panose="020B0604020202020204" pitchFamily="34" charset="0"/>
               </a:rPr>
-              <a:t>Fiscalização prioritária em dias e horários críticos, com base nos dados demonstrados anteriormente;</a:t>
+              <a:t>Fiscalização prioritária em dias e horários críticos, com maior rigor principalmente no mês de dezembro;</a:t>
             </a:r>
           </a:p>
           <a:p>
-            <a:pPr algn="just">
+            <a:pPr marL="0" indent="0" algn="just">
               <a:lnSpc>
                 <a:spcPct val="90000"/>
               </a:lnSpc>
+              <a:buNone/>
             </a:pPr>
             <a:endParaRPr lang="pt-BR" sz="1400" dirty="0">
               <a:latin typeface="Arial" panose="020B0604020202020204" pitchFamily="34" charset="0"/>
@@ -19796,7 +19759,7 @@
             <p:ph idx="1"/>
             <p:extLst>
               <p:ext uri="{D42A27DB-BD31-4B8C-83A1-F6EECF244321}">
-                <p14:modId xmlns:p14="http://schemas.microsoft.com/office/powerpoint/2010/main" val="61457386"/>
+                <p14:modId xmlns:p14="http://schemas.microsoft.com/office/powerpoint/2010/main" val="4143319006"/>
               </p:ext>
             </p:extLst>
           </p:nvPr>
@@ -21051,7 +21014,7 @@
               </a:lnSpc>
             </a:pPr>
             <a:r>
-              <a:rPr lang="pt-BR" sz="1300" dirty="0">
+              <a:rPr lang="pt-BR" sz="1600" dirty="0">
                 <a:latin typeface="Arial" panose="020B0604020202020204" pitchFamily="34" charset="0"/>
                 <a:cs typeface="Arial" panose="020B0604020202020204" pitchFamily="34" charset="0"/>
               </a:rPr>
@@ -21064,7 +21027,7 @@
                 <a:spcPct val="90000"/>
               </a:lnSpc>
             </a:pPr>
-            <a:endParaRPr lang="pt-BR" sz="1300" dirty="0">
+            <a:endParaRPr lang="pt-BR" sz="1600" dirty="0">
               <a:latin typeface="Arial" panose="020B0604020202020204" pitchFamily="34" charset="0"/>
               <a:cs typeface="Arial" panose="020B0604020202020204" pitchFamily="34" charset="0"/>
             </a:endParaRPr>
@@ -21076,13 +21039,13 @@
               </a:lnSpc>
             </a:pPr>
             <a:r>
-              <a:rPr lang="pt-BR" sz="1400" dirty="0">
+              <a:rPr lang="pt-BR" sz="1800" dirty="0">
                 <a:latin typeface="Arial" panose="020B0604020202020204" pitchFamily="34" charset="0"/>
                 <a:cs typeface="Arial" panose="020B0604020202020204" pitchFamily="34" charset="0"/>
               </a:rPr>
               <a:t>Os dados indicam falhas recorrentes de condução defensiva, sugerindo a necessidade de ações educativas e preventivas mais eficazes.</a:t>
             </a:r>
-            <a:endParaRPr lang="pt-BR" sz="1300" dirty="0">
+            <a:endParaRPr lang="pt-BR" sz="1600" dirty="0">
               <a:latin typeface="Arial" panose="020B0604020202020204" pitchFamily="34" charset="0"/>
               <a:cs typeface="Arial" panose="020B0604020202020204" pitchFamily="34" charset="0"/>
             </a:endParaRPr>
@@ -21265,33 +21228,7 @@
                 <a:latin typeface="Arial" panose="020B0604020202020204" pitchFamily="34" charset="0"/>
                 <a:cs typeface="Arial" panose="020B0604020202020204" pitchFamily="34" charset="0"/>
               </a:rPr>
-              <a:t>Carros de passeio, Motos e Trator apresentam maior participação em acidentes rodoviários;</a:t>
-            </a:r>
-          </a:p>
-          <a:p>
-            <a:pPr marL="0" indent="0">
-              <a:lnSpc>
-                <a:spcPct val="90000"/>
-              </a:lnSpc>
-              <a:buNone/>
-            </a:pPr>
-            <a:endParaRPr lang="pt-BR" sz="1800" dirty="0">
-              <a:latin typeface="Arial" panose="020B0604020202020204" pitchFamily="34" charset="0"/>
-              <a:cs typeface="Arial" panose="020B0604020202020204" pitchFamily="34" charset="0"/>
-            </a:endParaRPr>
-          </a:p>
-          <a:p>
-            <a:pPr>
-              <a:lnSpc>
-                <a:spcPct val="90000"/>
-              </a:lnSpc>
-            </a:pPr>
-            <a:r>
-              <a:rPr lang="pt-BR" sz="1800" dirty="0">
-                <a:latin typeface="Arial" panose="020B0604020202020204" pitchFamily="34" charset="0"/>
-                <a:cs typeface="Arial" panose="020B0604020202020204" pitchFamily="34" charset="0"/>
-              </a:rPr>
-              <a:t>Foco deve ir além do volume total de acidentes</a:t>
+              <a:t>Carros de passeio, Motocicletas e Tratores apresentam maior participação em acidentes rodoviários;</a:t>
             </a:r>
           </a:p>
         </p:txBody>
@@ -21577,11 +21514,18 @@
               <a:t>chuva</a:t>
             </a:r>
             <a:r>
+              <a:rPr lang="pt-BR" dirty="0">
+                <a:latin typeface="Arial" panose="020B0604020202020204" pitchFamily="34" charset="0"/>
+                <a:cs typeface="Arial" panose="020B0604020202020204" pitchFamily="34" charset="0"/>
+              </a:rPr>
+              <a:t>,</a:t>
+            </a:r>
+            <a:r>
               <a:rPr dirty="0">
                 <a:latin typeface="Arial" panose="020B0604020202020204" pitchFamily="34" charset="0"/>
                 <a:cs typeface="Arial" panose="020B0604020202020204" pitchFamily="34" charset="0"/>
               </a:rPr>
-              <a:t> e </a:t>
+              <a:t> </a:t>
             </a:r>
             <a:r>
               <a:rPr dirty="0" err="1">
@@ -21595,7 +21539,7 @@
                 <a:latin typeface="Arial" panose="020B0604020202020204" pitchFamily="34" charset="0"/>
                 <a:cs typeface="Arial" panose="020B0604020202020204" pitchFamily="34" charset="0"/>
               </a:rPr>
-              <a:t>;</a:t>
+              <a:t> e garoa; </a:t>
             </a:r>
           </a:p>
           <a:p>
@@ -21656,6 +21600,20 @@
                 <a:cs typeface="Arial" panose="020B0604020202020204" pitchFamily="34" charset="0"/>
               </a:rPr>
               <a:t>risco</a:t>
+            </a:r>
+            <a:r>
+              <a:rPr lang="pt-BR" dirty="0">
+                <a:latin typeface="Arial" panose="020B0604020202020204" pitchFamily="34" charset="0"/>
+                <a:cs typeface="Arial" panose="020B0604020202020204" pitchFamily="34" charset="0"/>
+              </a:rPr>
+              <a:t> de </a:t>
+            </a:r>
+            <a:r>
+              <a:rPr lang="pt-BR" dirty="0" err="1">
+                <a:latin typeface="Arial" panose="020B0604020202020204" pitchFamily="34" charset="0"/>
+                <a:cs typeface="Arial" panose="020B0604020202020204" pitchFamily="34" charset="0"/>
+              </a:rPr>
+              <a:t>acident</a:t>
             </a:r>
             <a:r>
               <a:rPr dirty="0">
@@ -21828,7 +21786,7 @@
                 <a:latin typeface="Arial" panose="020B0604020202020204" pitchFamily="34" charset="0"/>
                 <a:cs typeface="Arial" panose="020B0604020202020204" pitchFamily="34" charset="0"/>
               </a:rPr>
-              <a:t>O segundo semestre dos anos apresentam maior registro de acidentes, com maior pico em Outubro;</a:t>
+              <a:t>O segundo semestre dos anos apresentam maior registro de acidentes, com maior pico em Dezembro;</a:t>
             </a:r>
           </a:p>
           <a:p>
